--- a/案/草案/Elina Lead草案.pptx
+++ b/案/草案/Elina Lead草案.pptx
@@ -104,6 +104,11 @@
       </a:defRPr>
     </a:lvl9pPr>
   </p:defaultTextStyle>
+  <p:extLst>
+    <p:ext uri="{EFAFB233-063F-42B5-8137-9DF3F51BA10A}">
+      <p15:sldGuideLst xmlns:p15="http://schemas.microsoft.com/office/powerpoint/2012/main"/>
+    </p:ext>
+  </p:extLst>
 </p:presentation>
 </file>
 
@@ -3609,6 +3614,332 @@
           <a:chExt cx="0" cy="0"/>
         </a:xfrm>
       </p:grpSpPr>
+      <p:sp>
+        <p:nvSpPr>
+          <p:cNvPr id="5" name="テキスト ボックス 4">
+            <a:extLst>
+              <a:ext uri="{FF2B5EF4-FFF2-40B4-BE49-F238E27FC236}">
+                <a16:creationId xmlns:a16="http://schemas.microsoft.com/office/drawing/2014/main" id="{F93E0FD5-4A85-B554-AF93-792D1A178B33}"/>
+              </a:ext>
+            </a:extLst>
+          </p:cNvPr>
+          <p:cNvSpPr txBox="1"/>
+          <p:nvPr/>
+        </p:nvSpPr>
+        <p:spPr>
+          <a:xfrm>
+            <a:off x="3732245" y="4330"/>
+            <a:ext cx="3452325" cy="769441"/>
+          </a:xfrm>
+          <a:prstGeom prst="rect">
+            <a:avLst/>
+          </a:prstGeom>
+          <a:noFill/>
+        </p:spPr>
+        <p:txBody>
+          <a:bodyPr wrap="square" rtlCol="0">
+            <a:spAutoFit/>
+          </a:bodyPr>
+          <a:lstStyle/>
+          <a:p>
+            <a:r>
+              <a:rPr kumimoji="1" lang="ja-JP" altLang="en-US" sz="4400" dirty="0"/>
+              <a:t>ゲーム概要</a:t>
+            </a:r>
+          </a:p>
+        </p:txBody>
+      </p:sp>
+      <p:sp>
+        <p:nvSpPr>
+          <p:cNvPr id="7" name="正方形/長方形 6">
+            <a:extLst>
+              <a:ext uri="{FF2B5EF4-FFF2-40B4-BE49-F238E27FC236}">
+                <a16:creationId xmlns:a16="http://schemas.microsoft.com/office/drawing/2014/main" id="{13C2A02E-F91D-7A7B-329F-82A2220147A5}"/>
+              </a:ext>
+            </a:extLst>
+          </p:cNvPr>
+          <p:cNvSpPr/>
+          <p:nvPr/>
+        </p:nvSpPr>
+        <p:spPr>
+          <a:xfrm>
+            <a:off x="550505" y="1511559"/>
+            <a:ext cx="1399592" cy="391886"/>
+          </a:xfrm>
+          <a:prstGeom prst="rect">
+            <a:avLst/>
+          </a:prstGeom>
+        </p:spPr>
+        <p:style>
+          <a:lnRef idx="2">
+            <a:schemeClr val="dk1"/>
+          </a:lnRef>
+          <a:fillRef idx="1">
+            <a:schemeClr val="lt1"/>
+          </a:fillRef>
+          <a:effectRef idx="0">
+            <a:schemeClr val="dk1"/>
+          </a:effectRef>
+          <a:fontRef idx="minor">
+            <a:schemeClr val="dk1"/>
+          </a:fontRef>
+        </p:style>
+        <p:txBody>
+          <a:bodyPr rtlCol="0" anchor="ctr"/>
+          <a:lstStyle/>
+          <a:p>
+            <a:pPr algn="ctr"/>
+            <a:r>
+              <a:rPr kumimoji="1" lang="ja-JP" altLang="en-US" dirty="0"/>
+              <a:t>コンセプト</a:t>
+            </a:r>
+            <a:endParaRPr kumimoji="1" lang="en-US" altLang="ja-JP" dirty="0"/>
+          </a:p>
+        </p:txBody>
+      </p:sp>
+      <p:sp>
+        <p:nvSpPr>
+          <p:cNvPr id="8" name="正方形/長方形 7">
+            <a:extLst>
+              <a:ext uri="{FF2B5EF4-FFF2-40B4-BE49-F238E27FC236}">
+                <a16:creationId xmlns:a16="http://schemas.microsoft.com/office/drawing/2014/main" id="{B010C882-7474-D745-B7F5-76F871E62DC4}"/>
+              </a:ext>
+            </a:extLst>
+          </p:cNvPr>
+          <p:cNvSpPr/>
+          <p:nvPr/>
+        </p:nvSpPr>
+        <p:spPr>
+          <a:xfrm>
+            <a:off x="1950096" y="1511559"/>
+            <a:ext cx="5971593" cy="391886"/>
+          </a:xfrm>
+          <a:prstGeom prst="rect">
+            <a:avLst/>
+          </a:prstGeom>
+        </p:spPr>
+        <p:style>
+          <a:lnRef idx="2">
+            <a:schemeClr val="dk1"/>
+          </a:lnRef>
+          <a:fillRef idx="1">
+            <a:schemeClr val="lt1"/>
+          </a:fillRef>
+          <a:effectRef idx="0">
+            <a:schemeClr val="dk1"/>
+          </a:effectRef>
+          <a:fontRef idx="minor">
+            <a:schemeClr val="dk1"/>
+          </a:fontRef>
+        </p:style>
+        <p:txBody>
+          <a:bodyPr rtlCol="0" anchor="ctr"/>
+          <a:lstStyle/>
+          <a:p>
+            <a:pPr algn="ctr"/>
+            <a:r>
+              <a:rPr kumimoji="1" lang="ja-JP" altLang="en-US" dirty="0"/>
+              <a:t>細部の演出にこだわりきったスタイリッシュアクション</a:t>
+            </a:r>
+            <a:endParaRPr kumimoji="1" lang="en-US" altLang="ja-JP" dirty="0"/>
+          </a:p>
+        </p:txBody>
+      </p:sp>
+      <p:sp>
+        <p:nvSpPr>
+          <p:cNvPr id="9" name="正方形/長方形 8">
+            <a:extLst>
+              <a:ext uri="{FF2B5EF4-FFF2-40B4-BE49-F238E27FC236}">
+                <a16:creationId xmlns:a16="http://schemas.microsoft.com/office/drawing/2014/main" id="{7542BC5F-AC5C-5647-514A-EFFA3587D3DD}"/>
+              </a:ext>
+            </a:extLst>
+          </p:cNvPr>
+          <p:cNvSpPr/>
+          <p:nvPr/>
+        </p:nvSpPr>
+        <p:spPr>
+          <a:xfrm>
+            <a:off x="550506" y="1903445"/>
+            <a:ext cx="1399592" cy="391886"/>
+          </a:xfrm>
+          <a:prstGeom prst="rect">
+            <a:avLst/>
+          </a:prstGeom>
+        </p:spPr>
+        <p:style>
+          <a:lnRef idx="2">
+            <a:schemeClr val="dk1"/>
+          </a:lnRef>
+          <a:fillRef idx="1">
+            <a:schemeClr val="lt1"/>
+          </a:fillRef>
+          <a:effectRef idx="0">
+            <a:schemeClr val="dk1"/>
+          </a:effectRef>
+          <a:fontRef idx="minor">
+            <a:schemeClr val="dk1"/>
+          </a:fontRef>
+        </p:style>
+        <p:txBody>
+          <a:bodyPr rtlCol="0" anchor="ctr"/>
+          <a:lstStyle/>
+          <a:p>
+            <a:pPr algn="ctr"/>
+            <a:r>
+              <a:rPr kumimoji="1" lang="ja-JP" altLang="en-US" dirty="0"/>
+              <a:t>ジャンル</a:t>
+            </a:r>
+            <a:endParaRPr kumimoji="1" lang="en-US" altLang="ja-JP" dirty="0"/>
+          </a:p>
+        </p:txBody>
+      </p:sp>
+      <p:sp>
+        <p:nvSpPr>
+          <p:cNvPr id="10" name="正方形/長方形 9">
+            <a:extLst>
+              <a:ext uri="{FF2B5EF4-FFF2-40B4-BE49-F238E27FC236}">
+                <a16:creationId xmlns:a16="http://schemas.microsoft.com/office/drawing/2014/main" id="{CF4804D1-46D0-FBF1-9E2B-DBDAB00D1DF7}"/>
+              </a:ext>
+            </a:extLst>
+          </p:cNvPr>
+          <p:cNvSpPr/>
+          <p:nvPr/>
+        </p:nvSpPr>
+        <p:spPr>
+          <a:xfrm>
+            <a:off x="1950097" y="1903445"/>
+            <a:ext cx="5971593" cy="391886"/>
+          </a:xfrm>
+          <a:prstGeom prst="rect">
+            <a:avLst/>
+          </a:prstGeom>
+        </p:spPr>
+        <p:style>
+          <a:lnRef idx="2">
+            <a:schemeClr val="dk1"/>
+          </a:lnRef>
+          <a:fillRef idx="1">
+            <a:schemeClr val="lt1"/>
+          </a:fillRef>
+          <a:effectRef idx="0">
+            <a:schemeClr val="dk1"/>
+          </a:effectRef>
+          <a:fontRef idx="minor">
+            <a:schemeClr val="dk1"/>
+          </a:fontRef>
+        </p:style>
+        <p:txBody>
+          <a:bodyPr rtlCol="0" anchor="ctr"/>
+          <a:lstStyle/>
+          <a:p>
+            <a:pPr algn="ctr"/>
+            <a:r>
+              <a:rPr kumimoji="1" lang="en-US" altLang="ja-JP" dirty="0"/>
+              <a:t>TPS</a:t>
+            </a:r>
+            <a:r>
+              <a:rPr kumimoji="1" lang="ja-JP" altLang="en-US"/>
+              <a:t>バトルアクション</a:t>
+            </a:r>
+            <a:endParaRPr kumimoji="1" lang="en-US" altLang="ja-JP" dirty="0"/>
+          </a:p>
+        </p:txBody>
+      </p:sp>
+      <p:sp>
+        <p:nvSpPr>
+          <p:cNvPr id="11" name="正方形/長方形 10">
+            <a:extLst>
+              <a:ext uri="{FF2B5EF4-FFF2-40B4-BE49-F238E27FC236}">
+                <a16:creationId xmlns:a16="http://schemas.microsoft.com/office/drawing/2014/main" id="{F770322B-3A80-08F7-4FFA-972573661CF2}"/>
+              </a:ext>
+            </a:extLst>
+          </p:cNvPr>
+          <p:cNvSpPr/>
+          <p:nvPr/>
+        </p:nvSpPr>
+        <p:spPr>
+          <a:xfrm>
+            <a:off x="550505" y="1119673"/>
+            <a:ext cx="1399592" cy="391886"/>
+          </a:xfrm>
+          <a:prstGeom prst="rect">
+            <a:avLst/>
+          </a:prstGeom>
+        </p:spPr>
+        <p:style>
+          <a:lnRef idx="2">
+            <a:schemeClr val="dk1"/>
+          </a:lnRef>
+          <a:fillRef idx="1">
+            <a:schemeClr val="lt1"/>
+          </a:fillRef>
+          <a:effectRef idx="0">
+            <a:schemeClr val="dk1"/>
+          </a:effectRef>
+          <a:fontRef idx="minor">
+            <a:schemeClr val="dk1"/>
+          </a:fontRef>
+        </p:style>
+        <p:txBody>
+          <a:bodyPr rtlCol="0" anchor="ctr"/>
+          <a:lstStyle/>
+          <a:p>
+            <a:pPr algn="ctr"/>
+            <a:r>
+              <a:rPr kumimoji="1" lang="ja-JP" altLang="en-US" dirty="0"/>
+              <a:t>タイトル</a:t>
+            </a:r>
+            <a:endParaRPr kumimoji="1" lang="en-US" altLang="ja-JP" dirty="0"/>
+          </a:p>
+        </p:txBody>
+      </p:sp>
+      <p:sp>
+        <p:nvSpPr>
+          <p:cNvPr id="12" name="正方形/長方形 11">
+            <a:extLst>
+              <a:ext uri="{FF2B5EF4-FFF2-40B4-BE49-F238E27FC236}">
+                <a16:creationId xmlns:a16="http://schemas.microsoft.com/office/drawing/2014/main" id="{1077A532-2C7C-31F3-C3BD-DD298B9A4718}"/>
+              </a:ext>
+            </a:extLst>
+          </p:cNvPr>
+          <p:cNvSpPr/>
+          <p:nvPr/>
+        </p:nvSpPr>
+        <p:spPr>
+          <a:xfrm>
+            <a:off x="1950096" y="1119673"/>
+            <a:ext cx="5971593" cy="391886"/>
+          </a:xfrm>
+          <a:prstGeom prst="rect">
+            <a:avLst/>
+          </a:prstGeom>
+        </p:spPr>
+        <p:style>
+          <a:lnRef idx="2">
+            <a:schemeClr val="dk1"/>
+          </a:lnRef>
+          <a:fillRef idx="1">
+            <a:schemeClr val="lt1"/>
+          </a:fillRef>
+          <a:effectRef idx="0">
+            <a:schemeClr val="dk1"/>
+          </a:effectRef>
+          <a:fontRef idx="minor">
+            <a:schemeClr val="dk1"/>
+          </a:fontRef>
+        </p:style>
+        <p:txBody>
+          <a:bodyPr rtlCol="0" anchor="ctr"/>
+          <a:lstStyle/>
+          <a:p>
+            <a:pPr algn="ctr"/>
+            <a:r>
+              <a:rPr kumimoji="1" lang="en-US" altLang="ja-JP" dirty="0"/>
+              <a:t>Elina Lead</a:t>
+            </a:r>
+          </a:p>
+        </p:txBody>
+      </p:sp>
     </p:spTree>
     <p:extLst>
       <p:ext uri="{BB962C8B-B14F-4D97-AF65-F5344CB8AC3E}">

--- a/案/草案/Elina Lead草案.pptx
+++ b/案/草案/Elina Lead草案.pptx
@@ -6,6 +6,8 @@
   </p:sldMasterIdLst>
   <p:sldIdLst>
     <p:sldId id="256" r:id="rId2"/>
+    <p:sldId id="258" r:id="rId3"/>
+    <p:sldId id="257" r:id="rId4"/>
   </p:sldIdLst>
   <p:sldSz cx="12192000" cy="6858000"/>
   <p:notesSz cx="6858000" cy="9144000"/>
@@ -259,7 +261,7 @@
           <a:p>
             <a:fld id="{47CCE72E-E3B4-48F2-8BCF-A7FFD7347476}" type="datetimeFigureOut">
               <a:rPr kumimoji="1" lang="ja-JP" altLang="en-US" smtClean="0"/>
-              <a:t>2023/11/27</a:t>
+              <a:t>2023/12/7</a:t>
             </a:fld>
             <a:endParaRPr kumimoji="1" lang="ja-JP" altLang="en-US"/>
           </a:p>
@@ -489,7 +491,7 @@
           <a:p>
             <a:fld id="{47CCE72E-E3B4-48F2-8BCF-A7FFD7347476}" type="datetimeFigureOut">
               <a:rPr kumimoji="1" lang="ja-JP" altLang="en-US" smtClean="0"/>
-              <a:t>2023/11/27</a:t>
+              <a:t>2023/12/7</a:t>
             </a:fld>
             <a:endParaRPr kumimoji="1" lang="ja-JP" altLang="en-US"/>
           </a:p>
@@ -729,7 +731,7 @@
           <a:p>
             <a:fld id="{47CCE72E-E3B4-48F2-8BCF-A7FFD7347476}" type="datetimeFigureOut">
               <a:rPr kumimoji="1" lang="ja-JP" altLang="en-US" smtClean="0"/>
-              <a:t>2023/11/27</a:t>
+              <a:t>2023/12/7</a:t>
             </a:fld>
             <a:endParaRPr kumimoji="1" lang="ja-JP" altLang="en-US"/>
           </a:p>
@@ -959,7 +961,7 @@
           <a:p>
             <a:fld id="{47CCE72E-E3B4-48F2-8BCF-A7FFD7347476}" type="datetimeFigureOut">
               <a:rPr kumimoji="1" lang="ja-JP" altLang="en-US" smtClean="0"/>
-              <a:t>2023/11/27</a:t>
+              <a:t>2023/12/7</a:t>
             </a:fld>
             <a:endParaRPr kumimoji="1" lang="ja-JP" altLang="en-US"/>
           </a:p>
@@ -1234,7 +1236,7 @@
           <a:p>
             <a:fld id="{47CCE72E-E3B4-48F2-8BCF-A7FFD7347476}" type="datetimeFigureOut">
               <a:rPr kumimoji="1" lang="ja-JP" altLang="en-US" smtClean="0"/>
-              <a:t>2023/11/27</a:t>
+              <a:t>2023/12/7</a:t>
             </a:fld>
             <a:endParaRPr kumimoji="1" lang="ja-JP" altLang="en-US"/>
           </a:p>
@@ -1563,7 +1565,7 @@
           <a:p>
             <a:fld id="{47CCE72E-E3B4-48F2-8BCF-A7FFD7347476}" type="datetimeFigureOut">
               <a:rPr kumimoji="1" lang="ja-JP" altLang="en-US" smtClean="0"/>
-              <a:t>2023/11/27</a:t>
+              <a:t>2023/12/7</a:t>
             </a:fld>
             <a:endParaRPr kumimoji="1" lang="ja-JP" altLang="en-US"/>
           </a:p>
@@ -2039,7 +2041,7 @@
           <a:p>
             <a:fld id="{47CCE72E-E3B4-48F2-8BCF-A7FFD7347476}" type="datetimeFigureOut">
               <a:rPr kumimoji="1" lang="ja-JP" altLang="en-US" smtClean="0"/>
-              <a:t>2023/11/27</a:t>
+              <a:t>2023/12/7</a:t>
             </a:fld>
             <a:endParaRPr kumimoji="1" lang="ja-JP" altLang="en-US"/>
           </a:p>
@@ -2180,7 +2182,7 @@
           <a:p>
             <a:fld id="{47CCE72E-E3B4-48F2-8BCF-A7FFD7347476}" type="datetimeFigureOut">
               <a:rPr kumimoji="1" lang="ja-JP" altLang="en-US" smtClean="0"/>
-              <a:t>2023/11/27</a:t>
+              <a:t>2023/12/7</a:t>
             </a:fld>
             <a:endParaRPr kumimoji="1" lang="ja-JP" altLang="en-US"/>
           </a:p>
@@ -2293,7 +2295,7 @@
           <a:p>
             <a:fld id="{47CCE72E-E3B4-48F2-8BCF-A7FFD7347476}" type="datetimeFigureOut">
               <a:rPr kumimoji="1" lang="ja-JP" altLang="en-US" smtClean="0"/>
-              <a:t>2023/11/27</a:t>
+              <a:t>2023/12/7</a:t>
             </a:fld>
             <a:endParaRPr kumimoji="1" lang="ja-JP" altLang="en-US"/>
           </a:p>
@@ -2636,7 +2638,7 @@
           <a:p>
             <a:fld id="{47CCE72E-E3B4-48F2-8BCF-A7FFD7347476}" type="datetimeFigureOut">
               <a:rPr kumimoji="1" lang="ja-JP" altLang="en-US" smtClean="0"/>
-              <a:t>2023/11/27</a:t>
+              <a:t>2023/12/7</a:t>
             </a:fld>
             <a:endParaRPr kumimoji="1" lang="ja-JP" altLang="en-US"/>
           </a:p>
@@ -2924,7 +2926,7 @@
           <a:p>
             <a:fld id="{47CCE72E-E3B4-48F2-8BCF-A7FFD7347476}" type="datetimeFigureOut">
               <a:rPr kumimoji="1" lang="ja-JP" altLang="en-US" smtClean="0"/>
-              <a:t>2023/11/27</a:t>
+              <a:t>2023/12/7</a:t>
             </a:fld>
             <a:endParaRPr kumimoji="1" lang="ja-JP" altLang="en-US"/>
           </a:p>
@@ -3197,7 +3199,7 @@
           <a:p>
             <a:fld id="{47CCE72E-E3B4-48F2-8BCF-A7FFD7347476}" type="datetimeFigureOut">
               <a:rPr kumimoji="1" lang="ja-JP" altLang="en-US" smtClean="0"/>
-              <a:t>2023/11/27</a:t>
+              <a:t>2023/12/7</a:t>
             </a:fld>
             <a:endParaRPr kumimoji="1" lang="ja-JP" altLang="en-US"/>
           </a:p>
@@ -3663,7 +3665,7 @@
         </p:nvSpPr>
         <p:spPr>
           <a:xfrm>
-            <a:off x="550505" y="1511559"/>
+            <a:off x="289247" y="1632523"/>
             <a:ext cx="1399592" cy="391886"/>
           </a:xfrm>
           <a:prstGeom prst="rect">
@@ -3711,7 +3713,7 @@
         </p:nvSpPr>
         <p:spPr>
           <a:xfrm>
-            <a:off x="1950096" y="1511559"/>
+            <a:off x="1688838" y="1632523"/>
             <a:ext cx="5971593" cy="391886"/>
           </a:xfrm>
           <a:prstGeom prst="rect">
@@ -3759,7 +3761,7 @@
         </p:nvSpPr>
         <p:spPr>
           <a:xfrm>
-            <a:off x="550506" y="1903445"/>
+            <a:off x="289248" y="2024409"/>
             <a:ext cx="1399592" cy="391886"/>
           </a:xfrm>
           <a:prstGeom prst="rect">
@@ -3807,7 +3809,7 @@
         </p:nvSpPr>
         <p:spPr>
           <a:xfrm>
-            <a:off x="1950097" y="1903445"/>
+            <a:off x="1688839" y="2024409"/>
             <a:ext cx="5971593" cy="391886"/>
           </a:xfrm>
           <a:prstGeom prst="rect">
@@ -3838,7 +3840,7 @@
               <a:t>TPS</a:t>
             </a:r>
             <a:r>
-              <a:rPr kumimoji="1" lang="ja-JP" altLang="en-US"/>
+              <a:rPr kumimoji="1" lang="ja-JP" altLang="en-US" dirty="0"/>
               <a:t>バトルアクション</a:t>
             </a:r>
             <a:endParaRPr kumimoji="1" lang="en-US" altLang="ja-JP" dirty="0"/>
@@ -3859,7 +3861,7 @@
         </p:nvSpPr>
         <p:spPr>
           <a:xfrm>
-            <a:off x="550505" y="1119673"/>
+            <a:off x="289247" y="1240637"/>
             <a:ext cx="1399592" cy="391886"/>
           </a:xfrm>
           <a:prstGeom prst="rect">
@@ -3907,7 +3909,7 @@
         </p:nvSpPr>
         <p:spPr>
           <a:xfrm>
-            <a:off x="1950096" y="1119673"/>
+            <a:off x="1688838" y="1240637"/>
             <a:ext cx="5971593" cy="391886"/>
           </a:xfrm>
           <a:prstGeom prst="rect">
@@ -3940,10 +3942,167 @@
           </a:p>
         </p:txBody>
       </p:sp>
+      <p:sp>
+        <p:nvSpPr>
+          <p:cNvPr id="2" name="正方形/長方形 1">
+            <a:extLst>
+              <a:ext uri="{FF2B5EF4-FFF2-40B4-BE49-F238E27FC236}">
+                <a16:creationId xmlns:a16="http://schemas.microsoft.com/office/drawing/2014/main" id="{1A2A264E-1741-CEAD-18BF-B3D70D16CEAA}"/>
+              </a:ext>
+            </a:extLst>
+          </p:cNvPr>
+          <p:cNvSpPr/>
+          <p:nvPr/>
+        </p:nvSpPr>
+        <p:spPr>
+          <a:xfrm>
+            <a:off x="7660432" y="1240637"/>
+            <a:ext cx="4195665" cy="1960098"/>
+          </a:xfrm>
+          <a:prstGeom prst="rect">
+            <a:avLst/>
+          </a:prstGeom>
+        </p:spPr>
+        <p:style>
+          <a:lnRef idx="2">
+            <a:schemeClr val="accent6"/>
+          </a:lnRef>
+          <a:fillRef idx="1">
+            <a:schemeClr val="lt1"/>
+          </a:fillRef>
+          <a:effectRef idx="0">
+            <a:schemeClr val="accent6"/>
+          </a:effectRef>
+          <a:fontRef idx="minor">
+            <a:schemeClr val="dk1"/>
+          </a:fontRef>
+        </p:style>
+        <p:txBody>
+          <a:bodyPr rtlCol="0" anchor="ctr"/>
+          <a:lstStyle/>
+          <a:p>
+            <a:pPr algn="ctr"/>
+            <a:r>
+              <a:rPr kumimoji="1" lang="ja-JP" altLang="en-US" dirty="0"/>
+              <a:t>画像①</a:t>
+            </a:r>
+          </a:p>
+        </p:txBody>
+      </p:sp>
     </p:spTree>
     <p:extLst>
       <p:ext uri="{BB962C8B-B14F-4D97-AF65-F5344CB8AC3E}">
         <p14:creationId xmlns:p14="http://schemas.microsoft.com/office/powerpoint/2010/main" val="1425253116"/>
+      </p:ext>
+    </p:extLst>
+  </p:cSld>
+  <p:clrMapOvr>
+    <a:masterClrMapping/>
+  </p:clrMapOvr>
+</p:sld>
+</file>
+
+<file path=ppt/slides/slide2.xml><?xml version="1.0" encoding="utf-8"?>
+<p:sld xmlns:a="http://schemas.openxmlformats.org/drawingml/2006/main" xmlns:r="http://schemas.openxmlformats.org/officeDocument/2006/relationships" xmlns:p="http://schemas.openxmlformats.org/presentationml/2006/main">
+  <p:cSld>
+    <p:spTree>
+      <p:nvGrpSpPr>
+        <p:cNvPr id="1" name=""/>
+        <p:cNvGrpSpPr/>
+        <p:nvPr/>
+      </p:nvGrpSpPr>
+      <p:grpSpPr>
+        <a:xfrm>
+          <a:off x="0" y="0"/>
+          <a:ext cx="0" cy="0"/>
+          <a:chOff x="0" y="0"/>
+          <a:chExt cx="0" cy="0"/>
+        </a:xfrm>
+      </p:grpSpPr>
+      <p:sp>
+        <p:nvSpPr>
+          <p:cNvPr id="2" name="タイトル 1">
+            <a:extLst>
+              <a:ext uri="{FF2B5EF4-FFF2-40B4-BE49-F238E27FC236}">
+                <a16:creationId xmlns:a16="http://schemas.microsoft.com/office/drawing/2014/main" id="{A34170EC-01AE-7CE7-BD5C-7FB4D9C02E10}"/>
+              </a:ext>
+            </a:extLst>
+          </p:cNvPr>
+          <p:cNvSpPr>
+            <a:spLocks noGrp="1"/>
+          </p:cNvSpPr>
+          <p:nvPr>
+            <p:ph type="title"/>
+          </p:nvPr>
+        </p:nvSpPr>
+        <p:spPr/>
+        <p:txBody>
+          <a:bodyPr/>
+          <a:lstStyle/>
+          <a:p>
+            <a:endParaRPr kumimoji="1" lang="ja-JP" altLang="en-US"/>
+          </a:p>
+        </p:txBody>
+      </p:sp>
+      <p:sp>
+        <p:nvSpPr>
+          <p:cNvPr id="3" name="コンテンツ プレースホルダー 2">
+            <a:extLst>
+              <a:ext uri="{FF2B5EF4-FFF2-40B4-BE49-F238E27FC236}">
+                <a16:creationId xmlns:a16="http://schemas.microsoft.com/office/drawing/2014/main" id="{02216784-6D06-2F4C-C3E5-FC2B17ADE9F6}"/>
+              </a:ext>
+            </a:extLst>
+          </p:cNvPr>
+          <p:cNvSpPr>
+            <a:spLocks noGrp="1"/>
+          </p:cNvSpPr>
+          <p:nvPr>
+            <p:ph idx="1"/>
+          </p:nvPr>
+        </p:nvSpPr>
+        <p:spPr/>
+        <p:txBody>
+          <a:bodyPr/>
+          <a:lstStyle/>
+          <a:p>
+            <a:endParaRPr kumimoji="1" lang="ja-JP" altLang="en-US"/>
+          </a:p>
+        </p:txBody>
+      </p:sp>
+    </p:spTree>
+    <p:extLst>
+      <p:ext uri="{BB962C8B-B14F-4D97-AF65-F5344CB8AC3E}">
+        <p14:creationId xmlns:p14="http://schemas.microsoft.com/office/powerpoint/2010/main" val="3174207838"/>
+      </p:ext>
+    </p:extLst>
+  </p:cSld>
+  <p:clrMapOvr>
+    <a:masterClrMapping/>
+  </p:clrMapOvr>
+</p:sld>
+</file>
+
+<file path=ppt/slides/slide3.xml><?xml version="1.0" encoding="utf-8"?>
+<p:sld xmlns:a="http://schemas.openxmlformats.org/drawingml/2006/main" xmlns:r="http://schemas.openxmlformats.org/officeDocument/2006/relationships" xmlns:p="http://schemas.openxmlformats.org/presentationml/2006/main">
+  <p:cSld>
+    <p:spTree>
+      <p:nvGrpSpPr>
+        <p:cNvPr id="1" name=""/>
+        <p:cNvGrpSpPr/>
+        <p:nvPr/>
+      </p:nvGrpSpPr>
+      <p:grpSpPr>
+        <a:xfrm>
+          <a:off x="0" y="0"/>
+          <a:ext cx="0" cy="0"/>
+          <a:chOff x="0" y="0"/>
+          <a:chExt cx="0" cy="0"/>
+        </a:xfrm>
+      </p:grpSpPr>
+    </p:spTree>
+    <p:extLst>
+      <p:ext uri="{BB962C8B-B14F-4D97-AF65-F5344CB8AC3E}">
+        <p14:creationId xmlns:p14="http://schemas.microsoft.com/office/powerpoint/2010/main" val="140827039"/>
       </p:ext>
     </p:extLst>
   </p:cSld>
